--- a/2191/04-Jan22/b-memoryAllocation.pptx
+++ b/2191/04-Jan22/b-memoryAllocation.pptx
@@ -254,7 +254,7 @@
           <a:p>
             <a:fld id="{BD2933A0-1478-4559-B78C-E0E41C9D5F53}" type="datetimeFigureOut">
               <a:rPr lang="en-US" smtClean="0"/>
-              <a:t>1/21/2019</a:t>
+              <a:t>9/23/2020</a:t>
             </a:fld>
             <a:endParaRPr lang="en-US"/>
           </a:p>
@@ -422,7 +422,7 @@
           <a:p>
             <a:fld id="{BD2933A0-1478-4559-B78C-E0E41C9D5F53}" type="datetimeFigureOut">
               <a:rPr lang="en-US" smtClean="0"/>
-              <a:t>1/21/2019</a:t>
+              <a:t>9/23/2020</a:t>
             </a:fld>
             <a:endParaRPr lang="en-US"/>
           </a:p>
@@ -600,7 +600,7 @@
           <a:p>
             <a:fld id="{BD2933A0-1478-4559-B78C-E0E41C9D5F53}" type="datetimeFigureOut">
               <a:rPr lang="en-US" smtClean="0"/>
-              <a:t>1/21/2019</a:t>
+              <a:t>9/23/2020</a:t>
             </a:fld>
             <a:endParaRPr lang="en-US"/>
           </a:p>
@@ -768,7 +768,7 @@
           <a:p>
             <a:fld id="{BD2933A0-1478-4559-B78C-E0E41C9D5F53}" type="datetimeFigureOut">
               <a:rPr lang="en-US" smtClean="0"/>
-              <a:t>1/21/2019</a:t>
+              <a:t>9/23/2020</a:t>
             </a:fld>
             <a:endParaRPr lang="en-US"/>
           </a:p>
@@ -1013,7 +1013,7 @@
           <a:p>
             <a:fld id="{BD2933A0-1478-4559-B78C-E0E41C9D5F53}" type="datetimeFigureOut">
               <a:rPr lang="en-US" smtClean="0"/>
-              <a:t>1/21/2019</a:t>
+              <a:t>9/23/2020</a:t>
             </a:fld>
             <a:endParaRPr lang="en-US"/>
           </a:p>
@@ -1242,7 +1242,7 @@
           <a:p>
             <a:fld id="{BD2933A0-1478-4559-B78C-E0E41C9D5F53}" type="datetimeFigureOut">
               <a:rPr lang="en-US" smtClean="0"/>
-              <a:t>1/21/2019</a:t>
+              <a:t>9/23/2020</a:t>
             </a:fld>
             <a:endParaRPr lang="en-US"/>
           </a:p>
@@ -1606,7 +1606,7 @@
           <a:p>
             <a:fld id="{BD2933A0-1478-4559-B78C-E0E41C9D5F53}" type="datetimeFigureOut">
               <a:rPr lang="en-US" smtClean="0"/>
-              <a:t>1/21/2019</a:t>
+              <a:t>9/23/2020</a:t>
             </a:fld>
             <a:endParaRPr lang="en-US"/>
           </a:p>
@@ -1723,7 +1723,7 @@
           <a:p>
             <a:fld id="{BD2933A0-1478-4559-B78C-E0E41C9D5F53}" type="datetimeFigureOut">
               <a:rPr lang="en-US" smtClean="0"/>
-              <a:t>1/21/2019</a:t>
+              <a:t>9/23/2020</a:t>
             </a:fld>
             <a:endParaRPr lang="en-US"/>
           </a:p>
@@ -1818,7 +1818,7 @@
           <a:p>
             <a:fld id="{BD2933A0-1478-4559-B78C-E0E41C9D5F53}" type="datetimeFigureOut">
               <a:rPr lang="en-US" smtClean="0"/>
-              <a:t>1/21/2019</a:t>
+              <a:t>9/23/2020</a:t>
             </a:fld>
             <a:endParaRPr lang="en-US"/>
           </a:p>
@@ -2093,7 +2093,7 @@
           <a:p>
             <a:fld id="{BD2933A0-1478-4559-B78C-E0E41C9D5F53}" type="datetimeFigureOut">
               <a:rPr lang="en-US" smtClean="0"/>
-              <a:t>1/21/2019</a:t>
+              <a:t>9/23/2020</a:t>
             </a:fld>
             <a:endParaRPr lang="en-US"/>
           </a:p>
@@ -2345,7 +2345,7 @@
           <a:p>
             <a:fld id="{BD2933A0-1478-4559-B78C-E0E41C9D5F53}" type="datetimeFigureOut">
               <a:rPr lang="en-US" smtClean="0"/>
-              <a:t>1/21/2019</a:t>
+              <a:t>9/23/2020</a:t>
             </a:fld>
             <a:endParaRPr lang="en-US"/>
           </a:p>
@@ -2556,7 +2556,7 @@
           <a:p>
             <a:fld id="{BD2933A0-1478-4559-B78C-E0E41C9D5F53}" type="datetimeFigureOut">
               <a:rPr lang="en-US" smtClean="0"/>
-              <a:t>1/21/2019</a:t>
+              <a:t>9/23/2020</a:t>
             </a:fld>
             <a:endParaRPr lang="en-US"/>
           </a:p>
@@ -5236,8 +5236,8 @@
         </p:nvSpPr>
         <p:spPr>
           <a:xfrm>
-            <a:off x="4202578" y="4363161"/>
-            <a:ext cx="3039469" cy="1200329"/>
+            <a:off x="1801091" y="4363161"/>
+            <a:ext cx="7472217" cy="1754326"/>
           </a:xfrm>
           <a:prstGeom prst="rect">
             <a:avLst/>
@@ -5254,7 +5254,33 @@
               <a:rPr lang="en-US" dirty="0">
                 <a:latin typeface="Consolas" panose="020B0609020204030204" pitchFamily="49" charset="0"/>
               </a:rPr>
-              <a:t>ff(</a:t>
+              <a:t>			</a:t>
+            </a:r>
+            <a:r>
+              <a:rPr lang="en-US" sz="1600" dirty="0">
+                <a:solidFill>
+                  <a:srgbClr val="FF0000"/>
+                </a:solidFill>
+                <a:latin typeface="Consolas" panose="020B0609020204030204" pitchFamily="49" charset="0"/>
+              </a:rPr>
+              <a:t>delete</a:t>
+            </a:r>
+            <a:r>
+              <a:rPr lang="en-US" sz="1600" dirty="0">
+                <a:latin typeface="Consolas" panose="020B0609020204030204" pitchFamily="49" charset="0"/>
+              </a:rPr>
+              <a:t> does to following automatically</a:t>
+            </a:r>
+            <a:br>
+              <a:rPr lang="en-US" dirty="0">
+                <a:latin typeface="Consolas" panose="020B0609020204030204" pitchFamily="49" charset="0"/>
+              </a:rPr>
+            </a:br>
+            <a:r>
+              <a:rPr lang="en-US" dirty="0">
+                <a:latin typeface="Consolas" panose="020B0609020204030204" pitchFamily="49" charset="0"/>
+              </a:rPr>
+              <a:t>			if(</a:t>
             </a:r>
             <a:r>
               <a:rPr lang="en-US" dirty="0" err="1">
@@ -5283,25 +5309,54 @@
           </a:p>
           <a:p>
             <a:r>
+              <a:rPr lang="en-US" dirty="0">
+                <a:latin typeface="Consolas" panose="020B0609020204030204" pitchFamily="49" charset="0"/>
+              </a:rPr>
+              <a:t>delete</a:t>
+            </a:r>
+            <a:r>
+              <a:rPr lang="en-US" dirty="0">
+                <a:solidFill>
+                  <a:srgbClr val="00B0F0"/>
+                </a:solidFill>
+                <a:latin typeface="Consolas" panose="020B0609020204030204" pitchFamily="49" charset="0"/>
+              </a:rPr>
+              <a:t>[]</a:t>
+            </a:r>
+            <a:r>
+              <a:rPr lang="en-US" dirty="0">
+                <a:latin typeface="Consolas" panose="020B0609020204030204" pitchFamily="49" charset="0"/>
+              </a:rPr>
+              <a:t> </a:t>
+            </a:r>
+            <a:r>
+              <a:rPr lang="en-US" dirty="0" err="1">
+                <a:latin typeface="Consolas" panose="020B0609020204030204" pitchFamily="49" charset="0"/>
+              </a:rPr>
+              <a:t>m_data</a:t>
+            </a:r>
+            <a:r>
+              <a:rPr lang="en-US" dirty="0">
+                <a:latin typeface="Consolas" panose="020B0609020204030204" pitchFamily="49" charset="0"/>
+              </a:rPr>
+              <a:t>;          free memory</a:t>
+            </a:r>
+          </a:p>
+          <a:p>
+            <a:r>
               <a:rPr lang="en-CA" dirty="0">
                 <a:latin typeface="Consolas" panose="020B0609020204030204" pitchFamily="49" charset="0"/>
               </a:rPr>
-              <a:t> </a:t>
-            </a:r>
-            <a:r>
-              <a:rPr lang="en-US" dirty="0">
-                <a:latin typeface="Consolas" panose="020B0609020204030204" pitchFamily="49" charset="0"/>
-              </a:rPr>
-              <a:t>  free memory first</a:t>
-            </a:r>
-          </a:p>
-          <a:p>
-            <a:r>
+              <a:t>                      }</a:t>
+            </a:r>
+            <a:br>
               <a:rPr lang="en-CA" dirty="0">
                 <a:latin typeface="Consolas" panose="020B0609020204030204" pitchFamily="49" charset="0"/>
               </a:rPr>
-              <a:t>}</a:t>
-            </a:r>
+            </a:br>
+            <a:endParaRPr lang="en-CA" dirty="0">
+              <a:latin typeface="Consolas" panose="020B0609020204030204" pitchFamily="49" charset="0"/>
+            </a:endParaRPr>
           </a:p>
           <a:p>
             <a:r>
@@ -5313,6 +5368,54 @@
             <a:endParaRPr lang="en-US" dirty="0">
               <a:latin typeface="Consolas" panose="020B0609020204030204" pitchFamily="49" charset="0"/>
             </a:endParaRPr>
+          </a:p>
+        </p:txBody>
+      </p:sp>
+      <p:sp>
+        <p:nvSpPr>
+          <p:cNvPr id="2" name="Left Brace 1">
+            <a:extLst>
+              <a:ext uri="{FF2B5EF4-FFF2-40B4-BE49-F238E27FC236}">
+                <a16:creationId xmlns:a16="http://schemas.microsoft.com/office/drawing/2014/main" id="{605C6700-C63E-4FEF-90D2-BB17ACBBFE94}"/>
+              </a:ext>
+            </a:extLst>
+          </p:cNvPr>
+          <p:cNvSpPr/>
+          <p:nvPr/>
+        </p:nvSpPr>
+        <p:spPr>
+          <a:xfrm>
+            <a:off x="4177369" y="4692073"/>
+            <a:ext cx="415636" cy="912453"/>
+          </a:xfrm>
+          <a:prstGeom prst="leftBrace">
+            <a:avLst>
+              <a:gd name="adj1" fmla="val 28471"/>
+              <a:gd name="adj2" fmla="val 46562"/>
+            </a:avLst>
+          </a:prstGeom>
+          <a:ln w="38100"/>
+        </p:spPr>
+        <p:style>
+          <a:lnRef idx="1">
+            <a:schemeClr val="accent1"/>
+          </a:lnRef>
+          <a:fillRef idx="0">
+            <a:schemeClr val="accent1"/>
+          </a:fillRef>
+          <a:effectRef idx="0">
+            <a:schemeClr val="accent1"/>
+          </a:effectRef>
+          <a:fontRef idx="minor">
+            <a:schemeClr val="tx1"/>
+          </a:fontRef>
+        </p:style>
+        <p:txBody>
+          <a:bodyPr rtlCol="0" anchor="ctr"/>
+          <a:lstStyle/>
+          <a:p>
+            <a:pPr algn="ctr"/>
+            <a:endParaRPr lang="en-CA"/>
           </a:p>
         </p:txBody>
       </p:sp>
